--- a/알고리즘/lecture03AsymptoticNotaion.pptx
+++ b/알고리즘/lecture03AsymptoticNotaion.pptx
@@ -16,6 +16,12 @@
     <p:sldId id="270" r:id="rId10"/>
     <p:sldId id="271" r:id="rId11"/>
     <p:sldId id="272" r:id="rId12"/>
+    <p:sldId id="273" r:id="rId13"/>
+    <p:sldId id="274" r:id="rId14"/>
+    <p:sldId id="275" r:id="rId15"/>
+    <p:sldId id="276" r:id="rId16"/>
+    <p:sldId id="277" r:id="rId17"/>
+    <p:sldId id="278" r:id="rId18"/>
   </p:sldIdLst>
   <p:sldSz cx="12192000" cy="6858000"/>
   <p:notesSz cx="6858000" cy="9144000"/>
@@ -269,7 +275,7 @@
           <a:p>
             <a:fld id="{04AF4C07-114B-0D40-9E4C-48E2979E3F6D}" type="datetimeFigureOut">
               <a:rPr lang="en-US" smtClean="0"/>
-              <a:t>9/9/19</a:t>
+              <a:t>9/17/19</a:t>
             </a:fld>
             <a:endParaRPr lang="en-US"/>
           </a:p>
@@ -467,7 +473,7 @@
           <a:p>
             <a:fld id="{04AF4C07-114B-0D40-9E4C-48E2979E3F6D}" type="datetimeFigureOut">
               <a:rPr lang="en-US" smtClean="0"/>
-              <a:t>9/9/19</a:t>
+              <a:t>9/17/19</a:t>
             </a:fld>
             <a:endParaRPr lang="en-US"/>
           </a:p>
@@ -675,7 +681,7 @@
           <a:p>
             <a:fld id="{04AF4C07-114B-0D40-9E4C-48E2979E3F6D}" type="datetimeFigureOut">
               <a:rPr lang="en-US" smtClean="0"/>
-              <a:t>9/9/19</a:t>
+              <a:t>9/17/19</a:t>
             </a:fld>
             <a:endParaRPr lang="en-US"/>
           </a:p>
@@ -873,7 +879,7 @@
           <a:p>
             <a:fld id="{04AF4C07-114B-0D40-9E4C-48E2979E3F6D}" type="datetimeFigureOut">
               <a:rPr lang="en-US" smtClean="0"/>
-              <a:t>9/9/19</a:t>
+              <a:t>9/17/19</a:t>
             </a:fld>
             <a:endParaRPr lang="en-US"/>
           </a:p>
@@ -1148,7 +1154,7 @@
           <a:p>
             <a:fld id="{04AF4C07-114B-0D40-9E4C-48E2979E3F6D}" type="datetimeFigureOut">
               <a:rPr lang="en-US" smtClean="0"/>
-              <a:t>9/9/19</a:t>
+              <a:t>9/17/19</a:t>
             </a:fld>
             <a:endParaRPr lang="en-US"/>
           </a:p>
@@ -1413,7 +1419,7 @@
           <a:p>
             <a:fld id="{04AF4C07-114B-0D40-9E4C-48E2979E3F6D}" type="datetimeFigureOut">
               <a:rPr lang="en-US" smtClean="0"/>
-              <a:t>9/9/19</a:t>
+              <a:t>9/17/19</a:t>
             </a:fld>
             <a:endParaRPr lang="en-US"/>
           </a:p>
@@ -1825,7 +1831,7 @@
           <a:p>
             <a:fld id="{04AF4C07-114B-0D40-9E4C-48E2979E3F6D}" type="datetimeFigureOut">
               <a:rPr lang="en-US" smtClean="0"/>
-              <a:t>9/9/19</a:t>
+              <a:t>9/17/19</a:t>
             </a:fld>
             <a:endParaRPr lang="en-US"/>
           </a:p>
@@ -1966,7 +1972,7 @@
           <a:p>
             <a:fld id="{04AF4C07-114B-0D40-9E4C-48E2979E3F6D}" type="datetimeFigureOut">
               <a:rPr lang="en-US" smtClean="0"/>
-              <a:t>9/9/19</a:t>
+              <a:t>9/17/19</a:t>
             </a:fld>
             <a:endParaRPr lang="en-US"/>
           </a:p>
@@ -2079,7 +2085,7 @@
           <a:p>
             <a:fld id="{04AF4C07-114B-0D40-9E4C-48E2979E3F6D}" type="datetimeFigureOut">
               <a:rPr lang="en-US" smtClean="0"/>
-              <a:t>9/9/19</a:t>
+              <a:t>9/17/19</a:t>
             </a:fld>
             <a:endParaRPr lang="en-US"/>
           </a:p>
@@ -2390,7 +2396,7 @@
           <a:p>
             <a:fld id="{04AF4C07-114B-0D40-9E4C-48E2979E3F6D}" type="datetimeFigureOut">
               <a:rPr lang="en-US" smtClean="0"/>
-              <a:t>9/9/19</a:t>
+              <a:t>9/17/19</a:t>
             </a:fld>
             <a:endParaRPr lang="en-US"/>
           </a:p>
@@ -2678,7 +2684,7 @@
           <a:p>
             <a:fld id="{04AF4C07-114B-0D40-9E4C-48E2979E3F6D}" type="datetimeFigureOut">
               <a:rPr lang="en-US" smtClean="0"/>
-              <a:t>9/9/19</a:t>
+              <a:t>9/17/19</a:t>
             </a:fld>
             <a:endParaRPr lang="en-US"/>
           </a:p>
@@ -2919,7 +2925,7 @@
           <a:p>
             <a:fld id="{04AF4C07-114B-0D40-9E4C-48E2979E3F6D}" type="datetimeFigureOut">
               <a:rPr lang="en-US" smtClean="0"/>
-              <a:t>9/9/19</a:t>
+              <a:t>9/17/19</a:t>
             </a:fld>
             <a:endParaRPr lang="en-US"/>
           </a:p>
@@ -3655,6 +3661,1808 @@
 </p:sld>
 </file>
 
+<file path=ppt/slides/slide12.xml><?xml version="1.0" encoding="utf-8"?>
+<p:sld xmlns:a="http://schemas.openxmlformats.org/drawingml/2006/main" xmlns:r="http://schemas.openxmlformats.org/officeDocument/2006/relationships" xmlns:p="http://schemas.openxmlformats.org/presentationml/2006/main">
+  <p:cSld>
+    <p:spTree>
+      <p:nvGrpSpPr>
+        <p:cNvPr id="1" name=""/>
+        <p:cNvGrpSpPr/>
+        <p:nvPr/>
+      </p:nvGrpSpPr>
+      <p:grpSpPr>
+        <a:xfrm>
+          <a:off x="0" y="0"/>
+          <a:ext cx="0" cy="0"/>
+          <a:chOff x="0" y="0"/>
+          <a:chExt cx="0" cy="0"/>
+        </a:xfrm>
+      </p:grpSpPr>
+      <p:sp>
+        <p:nvSpPr>
+          <p:cNvPr id="2" name="Title 1">
+            <a:extLst>
+              <a:ext uri="{FF2B5EF4-FFF2-40B4-BE49-F238E27FC236}">
+                <a16:creationId xmlns:a16="http://schemas.microsoft.com/office/drawing/2014/main" id="{BBE76111-68E6-8F41-9335-47C4C39E08A2}"/>
+              </a:ext>
+            </a:extLst>
+          </p:cNvPr>
+          <p:cNvSpPr>
+            <a:spLocks noGrp="1"/>
+          </p:cNvSpPr>
+          <p:nvPr>
+            <p:ph type="title"/>
+          </p:nvPr>
+        </p:nvSpPr>
+        <p:spPr/>
+        <p:txBody>
+          <a:bodyPr/>
+          <a:lstStyle/>
+          <a:p>
+            <a:r>
+              <a:rPr lang="en-US" dirty="0"/>
+              <a:t>Standard Notations and Common Functions</a:t>
+            </a:r>
+          </a:p>
+        </p:txBody>
+      </p:sp>
+      <p:sp>
+        <p:nvSpPr>
+          <p:cNvPr id="3" name="Content Placeholder 2">
+            <a:extLst>
+              <a:ext uri="{FF2B5EF4-FFF2-40B4-BE49-F238E27FC236}">
+                <a16:creationId xmlns:a16="http://schemas.microsoft.com/office/drawing/2014/main" id="{DE5B8D36-64B7-4049-9E61-856AB834F51B}"/>
+              </a:ext>
+            </a:extLst>
+          </p:cNvPr>
+          <p:cNvSpPr>
+            <a:spLocks noGrp="1"/>
+          </p:cNvSpPr>
+          <p:nvPr>
+            <p:ph idx="1"/>
+          </p:nvPr>
+        </p:nvSpPr>
+        <p:spPr/>
+        <p:txBody>
+          <a:bodyPr/>
+          <a:lstStyle/>
+          <a:p>
+            <a:r>
+              <a:rPr lang="en-US" dirty="0"/>
+              <a:t>Floor function (</a:t>
+            </a:r>
+            <a:r>
+              <a:rPr lang="ko-KR" altLang="en-US" dirty="0"/>
+              <a:t>내림</a:t>
+            </a:r>
+            <a:r>
+              <a:rPr lang="en-US" altLang="ko-KR" dirty="0"/>
+              <a:t>) and Ceiling function (</a:t>
+            </a:r>
+            <a:r>
+              <a:rPr lang="ko-KR" altLang="en-US" dirty="0"/>
+              <a:t>올림</a:t>
+            </a:r>
+            <a:r>
+              <a:rPr lang="en-US" altLang="ko-KR" dirty="0"/>
+              <a:t>)</a:t>
+            </a:r>
+          </a:p>
+          <a:p>
+            <a:pPr marL="0" indent="0">
+              <a:buNone/>
+            </a:pPr>
+            <a:endParaRPr lang="en-US" altLang="ko-KR" dirty="0"/>
+          </a:p>
+          <a:p>
+            <a:r>
+              <a:rPr lang="en-US" altLang="ko-KR" dirty="0"/>
+              <a:t>modulo </a:t>
+            </a:r>
+            <a:r>
+              <a:rPr lang="ko-KR" altLang="en-US" dirty="0"/>
+              <a:t>연산</a:t>
+            </a:r>
+            <a:endParaRPr lang="en-US" altLang="ko-KR" dirty="0"/>
+          </a:p>
+          <a:p>
+            <a:endParaRPr lang="en-US" altLang="ko-KR" dirty="0"/>
+          </a:p>
+          <a:p>
+            <a:r>
+              <a:rPr lang="en-US" altLang="ko-KR" i="1" dirty="0">
+                <a:latin typeface="Times New Roman" panose="02020603050405020304" pitchFamily="18" charset="0"/>
+                <a:cs typeface="Times New Roman" panose="02020603050405020304" pitchFamily="18" charset="0"/>
+              </a:rPr>
+              <a:t>d</a:t>
+            </a:r>
+            <a:r>
+              <a:rPr lang="ko-KR" altLang="en-US" dirty="0"/>
+              <a:t>차 다항식</a:t>
+            </a:r>
+            <a:endParaRPr lang="en-US" altLang="ko-KR" dirty="0"/>
+          </a:p>
+          <a:p>
+            <a:endParaRPr lang="en-US" altLang="ko-KR" dirty="0"/>
+          </a:p>
+          <a:p>
+            <a:pPr marL="0" indent="0">
+              <a:buNone/>
+            </a:pPr>
+            <a:r>
+              <a:rPr lang="en-US" altLang="ko-KR" dirty="0"/>
+              <a:t>for all real constants </a:t>
+            </a:r>
+            <a:r>
+              <a:rPr lang="en-US" altLang="ko-KR" i="1" dirty="0">
+                <a:latin typeface="Times New Roman" panose="02020603050405020304" pitchFamily="18" charset="0"/>
+                <a:cs typeface="Times New Roman" panose="02020603050405020304" pitchFamily="18" charset="0"/>
+              </a:rPr>
+              <a:t>a </a:t>
+            </a:r>
+            <a:r>
+              <a:rPr lang="en-US" altLang="ko-KR" dirty="0"/>
+              <a:t>and </a:t>
+            </a:r>
+            <a:r>
+              <a:rPr lang="en-US" altLang="ko-KR" i="1" dirty="0">
+                <a:latin typeface="Times New Roman" panose="02020603050405020304" pitchFamily="18" charset="0"/>
+                <a:cs typeface="Times New Roman" panose="02020603050405020304" pitchFamily="18" charset="0"/>
+              </a:rPr>
+              <a:t>b</a:t>
+            </a:r>
+            <a:r>
+              <a:rPr lang="en-US" altLang="ko-KR" dirty="0"/>
+              <a:t> such that </a:t>
+            </a:r>
+            <a:r>
+              <a:rPr lang="en-US" altLang="ko-KR" i="1" dirty="0">
+                <a:latin typeface="Times New Roman" panose="02020603050405020304" pitchFamily="18" charset="0"/>
+                <a:cs typeface="Times New Roman" panose="02020603050405020304" pitchFamily="18" charset="0"/>
+              </a:rPr>
+              <a:t>a&gt; 1                          </a:t>
+            </a:r>
+            <a:r>
+              <a:rPr lang="en-US" altLang="ko-KR" dirty="0">
+                <a:sym typeface="Wingdings" pitchFamily="2" charset="2"/>
+              </a:rPr>
+              <a:t> </a:t>
+            </a:r>
+            <a:endParaRPr lang="en-US" altLang="ko-KR" dirty="0"/>
+          </a:p>
+        </p:txBody>
+      </p:sp>
+      <p:pic>
+        <p:nvPicPr>
+          <p:cNvPr id="4" name="Picture 3">
+            <a:extLst>
+              <a:ext uri="{FF2B5EF4-FFF2-40B4-BE49-F238E27FC236}">
+                <a16:creationId xmlns:a16="http://schemas.microsoft.com/office/drawing/2014/main" id="{66CC1CCF-AB9B-F344-9F6C-7E3BB3335F18}"/>
+              </a:ext>
+            </a:extLst>
+          </p:cNvPr>
+          <p:cNvPicPr>
+            <a:picLocks noChangeAspect="1"/>
+          </p:cNvPicPr>
+          <p:nvPr/>
+        </p:nvPicPr>
+        <p:blipFill>
+          <a:blip r:embed="rId2"/>
+          <a:stretch>
+            <a:fillRect/>
+          </a:stretch>
+        </p:blipFill>
+        <p:spPr>
+          <a:xfrm>
+            <a:off x="3238224" y="2242040"/>
+            <a:ext cx="5041900" cy="495300"/>
+          </a:xfrm>
+          <a:prstGeom prst="rect">
+            <a:avLst/>
+          </a:prstGeom>
+        </p:spPr>
+      </p:pic>
+      <p:pic>
+        <p:nvPicPr>
+          <p:cNvPr id="5" name="Picture 4">
+            <a:extLst>
+              <a:ext uri="{FF2B5EF4-FFF2-40B4-BE49-F238E27FC236}">
+                <a16:creationId xmlns:a16="http://schemas.microsoft.com/office/drawing/2014/main" id="{FDACABE7-7A9F-D742-9788-6FBD6D053CE8}"/>
+              </a:ext>
+            </a:extLst>
+          </p:cNvPr>
+          <p:cNvPicPr>
+            <a:picLocks noChangeAspect="1"/>
+          </p:cNvPicPr>
+          <p:nvPr/>
+        </p:nvPicPr>
+        <p:blipFill>
+          <a:blip r:embed="rId3"/>
+          <a:stretch>
+            <a:fillRect/>
+          </a:stretch>
+        </p:blipFill>
+        <p:spPr>
+          <a:xfrm>
+            <a:off x="3645291" y="3041042"/>
+            <a:ext cx="3238500" cy="495300"/>
+          </a:xfrm>
+          <a:prstGeom prst="rect">
+            <a:avLst/>
+          </a:prstGeom>
+        </p:spPr>
+      </p:pic>
+      <p:pic>
+        <p:nvPicPr>
+          <p:cNvPr id="6" name="Picture 5">
+            <a:extLst>
+              <a:ext uri="{FF2B5EF4-FFF2-40B4-BE49-F238E27FC236}">
+                <a16:creationId xmlns:a16="http://schemas.microsoft.com/office/drawing/2014/main" id="{46A6BBCC-2BE5-8840-A4DE-DE3CF6710727}"/>
+              </a:ext>
+            </a:extLst>
+          </p:cNvPr>
+          <p:cNvPicPr>
+            <a:picLocks noChangeAspect="1"/>
+          </p:cNvPicPr>
+          <p:nvPr/>
+        </p:nvPicPr>
+        <p:blipFill>
+          <a:blip r:embed="rId4"/>
+          <a:stretch>
+            <a:fillRect/>
+          </a:stretch>
+        </p:blipFill>
+        <p:spPr>
+          <a:xfrm>
+            <a:off x="3638274" y="3671279"/>
+            <a:ext cx="2120900" cy="1143000"/>
+          </a:xfrm>
+          <a:prstGeom prst="rect">
+            <a:avLst/>
+          </a:prstGeom>
+        </p:spPr>
+      </p:pic>
+      <p:pic>
+        <p:nvPicPr>
+          <p:cNvPr id="7" name="Picture 6">
+            <a:extLst>
+              <a:ext uri="{FF2B5EF4-FFF2-40B4-BE49-F238E27FC236}">
+                <a16:creationId xmlns:a16="http://schemas.microsoft.com/office/drawing/2014/main" id="{C7864233-F311-E846-A18B-BD936E46F240}"/>
+              </a:ext>
+            </a:extLst>
+          </p:cNvPr>
+          <p:cNvPicPr>
+            <a:picLocks noChangeAspect="1"/>
+          </p:cNvPicPr>
+          <p:nvPr/>
+        </p:nvPicPr>
+        <p:blipFill>
+          <a:blip r:embed="rId5"/>
+          <a:stretch>
+            <a:fillRect/>
+          </a:stretch>
+        </p:blipFill>
+        <p:spPr>
+          <a:xfrm>
+            <a:off x="5971051" y="4001294"/>
+            <a:ext cx="1206500" cy="444500"/>
+          </a:xfrm>
+          <a:prstGeom prst="rect">
+            <a:avLst/>
+          </a:prstGeom>
+        </p:spPr>
+      </p:pic>
+      <p:pic>
+        <p:nvPicPr>
+          <p:cNvPr id="8" name="Picture 7">
+            <a:extLst>
+              <a:ext uri="{FF2B5EF4-FFF2-40B4-BE49-F238E27FC236}">
+                <a16:creationId xmlns:a16="http://schemas.microsoft.com/office/drawing/2014/main" id="{5ACBD158-8A0C-1D4E-AFDB-836FF9C9702A}"/>
+              </a:ext>
+            </a:extLst>
+          </p:cNvPr>
+          <p:cNvPicPr>
+            <a:picLocks noChangeAspect="1"/>
+          </p:cNvPicPr>
+          <p:nvPr/>
+        </p:nvPicPr>
+        <p:blipFill>
+          <a:blip r:embed="rId6"/>
+          <a:stretch>
+            <a:fillRect/>
+          </a:stretch>
+        </p:blipFill>
+        <p:spPr>
+          <a:xfrm>
+            <a:off x="7365724" y="4584113"/>
+            <a:ext cx="1828800" cy="812800"/>
+          </a:xfrm>
+          <a:prstGeom prst="rect">
+            <a:avLst/>
+          </a:prstGeom>
+        </p:spPr>
+      </p:pic>
+      <p:pic>
+        <p:nvPicPr>
+          <p:cNvPr id="10" name="Picture 9">
+            <a:extLst>
+              <a:ext uri="{FF2B5EF4-FFF2-40B4-BE49-F238E27FC236}">
+                <a16:creationId xmlns:a16="http://schemas.microsoft.com/office/drawing/2014/main" id="{6784D7DF-37EC-1140-AD79-5829E04D5C8C}"/>
+              </a:ext>
+            </a:extLst>
+          </p:cNvPr>
+          <p:cNvPicPr>
+            <a:picLocks noChangeAspect="1"/>
+          </p:cNvPicPr>
+          <p:nvPr/>
+        </p:nvPicPr>
+        <p:blipFill>
+          <a:blip r:embed="rId7"/>
+          <a:stretch>
+            <a:fillRect/>
+          </a:stretch>
+        </p:blipFill>
+        <p:spPr>
+          <a:xfrm>
+            <a:off x="10013674" y="4838113"/>
+            <a:ext cx="1574800" cy="558800"/>
+          </a:xfrm>
+          <a:prstGeom prst="rect">
+            <a:avLst/>
+          </a:prstGeom>
+        </p:spPr>
+      </p:pic>
+    </p:spTree>
+    <p:extLst>
+      <p:ext uri="{BB962C8B-B14F-4D97-AF65-F5344CB8AC3E}">
+        <p14:creationId xmlns:p14="http://schemas.microsoft.com/office/powerpoint/2010/main" val="1935719321"/>
+      </p:ext>
+    </p:extLst>
+  </p:cSld>
+  <p:clrMapOvr>
+    <a:masterClrMapping/>
+  </p:clrMapOvr>
+</p:sld>
+</file>
+
+<file path=ppt/slides/slide13.xml><?xml version="1.0" encoding="utf-8"?>
+<p:sld xmlns:a="http://schemas.openxmlformats.org/drawingml/2006/main" xmlns:r="http://schemas.openxmlformats.org/officeDocument/2006/relationships" xmlns:p="http://schemas.openxmlformats.org/presentationml/2006/main">
+  <p:cSld>
+    <p:spTree>
+      <p:nvGrpSpPr>
+        <p:cNvPr id="1" name=""/>
+        <p:cNvGrpSpPr/>
+        <p:nvPr/>
+      </p:nvGrpSpPr>
+      <p:grpSpPr>
+        <a:xfrm>
+          <a:off x="0" y="0"/>
+          <a:ext cx="0" cy="0"/>
+          <a:chOff x="0" y="0"/>
+          <a:chExt cx="0" cy="0"/>
+        </a:xfrm>
+      </p:grpSpPr>
+      <p:sp>
+        <p:nvSpPr>
+          <p:cNvPr id="2" name="Title 1">
+            <a:extLst>
+              <a:ext uri="{FF2B5EF4-FFF2-40B4-BE49-F238E27FC236}">
+                <a16:creationId xmlns:a16="http://schemas.microsoft.com/office/drawing/2014/main" id="{A5F966F7-9FD7-144E-ACEE-29627E14D38A}"/>
+              </a:ext>
+            </a:extLst>
+          </p:cNvPr>
+          <p:cNvSpPr>
+            <a:spLocks noGrp="1"/>
+          </p:cNvSpPr>
+          <p:nvPr>
+            <p:ph type="title"/>
+          </p:nvPr>
+        </p:nvSpPr>
+        <p:spPr/>
+        <p:txBody>
+          <a:bodyPr/>
+          <a:lstStyle/>
+          <a:p>
+            <a:endParaRPr lang="en-US"/>
+          </a:p>
+        </p:txBody>
+      </p:sp>
+      <p:sp>
+        <p:nvSpPr>
+          <p:cNvPr id="3" name="Content Placeholder 2">
+            <a:extLst>
+              <a:ext uri="{FF2B5EF4-FFF2-40B4-BE49-F238E27FC236}">
+                <a16:creationId xmlns:a16="http://schemas.microsoft.com/office/drawing/2014/main" id="{562B9BE8-B964-8A44-BC9B-D8D16ABBFABA}"/>
+              </a:ext>
+            </a:extLst>
+          </p:cNvPr>
+          <p:cNvSpPr>
+            <a:spLocks noGrp="1"/>
+          </p:cNvSpPr>
+          <p:nvPr>
+            <p:ph idx="1"/>
+          </p:nvPr>
+        </p:nvSpPr>
+        <p:spPr/>
+        <p:txBody>
+          <a:bodyPr/>
+          <a:lstStyle/>
+          <a:p>
+            <a:r>
+              <a:rPr lang="en-US" dirty="0"/>
+              <a:t>for all real </a:t>
+            </a:r>
+            <a:r>
+              <a:rPr lang="en-US" i="1" dirty="0">
+                <a:latin typeface="Times New Roman" panose="02020603050405020304" pitchFamily="18" charset="0"/>
+                <a:cs typeface="Times New Roman" panose="02020603050405020304" pitchFamily="18" charset="0"/>
+              </a:rPr>
+              <a:t>x</a:t>
+            </a:r>
+            <a:r>
+              <a:rPr lang="en-US" dirty="0"/>
+              <a:t>,</a:t>
+            </a:r>
+          </a:p>
+          <a:p>
+            <a:endParaRPr lang="en-US" dirty="0"/>
+          </a:p>
+          <a:p>
+            <a:r>
+              <a:rPr lang="en-US" dirty="0"/>
+              <a:t>when </a:t>
+            </a:r>
+          </a:p>
+          <a:p>
+            <a:endParaRPr lang="en-US" dirty="0"/>
+          </a:p>
+          <a:p>
+            <a:r>
+              <a:rPr lang="en-US" dirty="0"/>
+              <a:t>for all </a:t>
+            </a:r>
+            <a:r>
+              <a:rPr lang="en-US" i="1" dirty="0">
+                <a:latin typeface="Times New Roman" panose="02020603050405020304" pitchFamily="18" charset="0"/>
+                <a:cs typeface="Times New Roman" panose="02020603050405020304" pitchFamily="18" charset="0"/>
+              </a:rPr>
+              <a:t>x</a:t>
+            </a:r>
+          </a:p>
+          <a:p>
+            <a:endParaRPr lang="en-US" i="1" dirty="0">
+              <a:latin typeface="Times New Roman" panose="02020603050405020304" pitchFamily="18" charset="0"/>
+              <a:cs typeface="Times New Roman" panose="02020603050405020304" pitchFamily="18" charset="0"/>
+            </a:endParaRPr>
+          </a:p>
+          <a:p>
+            <a:endParaRPr lang="en-US" i="1" dirty="0">
+              <a:latin typeface="Times New Roman" panose="02020603050405020304" pitchFamily="18" charset="0"/>
+              <a:cs typeface="Times New Roman" panose="02020603050405020304" pitchFamily="18" charset="0"/>
+            </a:endParaRPr>
+          </a:p>
+        </p:txBody>
+      </p:sp>
+      <p:pic>
+        <p:nvPicPr>
+          <p:cNvPr id="4" name="Picture 3">
+            <a:extLst>
+              <a:ext uri="{FF2B5EF4-FFF2-40B4-BE49-F238E27FC236}">
+                <a16:creationId xmlns:a16="http://schemas.microsoft.com/office/drawing/2014/main" id="{1299E25B-606D-884B-8D54-67E361C74B83}"/>
+              </a:ext>
+            </a:extLst>
+          </p:cNvPr>
+          <p:cNvPicPr>
+            <a:picLocks noChangeAspect="1"/>
+          </p:cNvPicPr>
+          <p:nvPr/>
+        </p:nvPicPr>
+        <p:blipFill>
+          <a:blip r:embed="rId2"/>
+          <a:stretch>
+            <a:fillRect/>
+          </a:stretch>
+        </p:blipFill>
+        <p:spPr>
+          <a:xfrm>
+            <a:off x="3328182" y="1544271"/>
+            <a:ext cx="5143500" cy="1130300"/>
+          </a:xfrm>
+          <a:prstGeom prst="rect">
+            <a:avLst/>
+          </a:prstGeom>
+        </p:spPr>
+      </p:pic>
+      <p:pic>
+        <p:nvPicPr>
+          <p:cNvPr id="5" name="Picture 4">
+            <a:extLst>
+              <a:ext uri="{FF2B5EF4-FFF2-40B4-BE49-F238E27FC236}">
+                <a16:creationId xmlns:a16="http://schemas.microsoft.com/office/drawing/2014/main" id="{BD59EF07-3D27-6444-B978-D92AD7DE5F4D}"/>
+              </a:ext>
+            </a:extLst>
+          </p:cNvPr>
+          <p:cNvPicPr>
+            <a:picLocks noChangeAspect="1"/>
+          </p:cNvPicPr>
+          <p:nvPr/>
+        </p:nvPicPr>
+        <p:blipFill>
+          <a:blip r:embed="rId3"/>
+          <a:stretch>
+            <a:fillRect/>
+          </a:stretch>
+        </p:blipFill>
+        <p:spPr>
+          <a:xfrm>
+            <a:off x="9138041" y="1690688"/>
+            <a:ext cx="1549400" cy="495300"/>
+          </a:xfrm>
+          <a:prstGeom prst="rect">
+            <a:avLst/>
+          </a:prstGeom>
+        </p:spPr>
+      </p:pic>
+      <p:pic>
+        <p:nvPicPr>
+          <p:cNvPr id="6" name="Picture 5">
+            <a:extLst>
+              <a:ext uri="{FF2B5EF4-FFF2-40B4-BE49-F238E27FC236}">
+                <a16:creationId xmlns:a16="http://schemas.microsoft.com/office/drawing/2014/main" id="{F29A1A06-FDDB-E341-B8DB-E6FA549FE296}"/>
+              </a:ext>
+            </a:extLst>
+          </p:cNvPr>
+          <p:cNvPicPr>
+            <a:picLocks noChangeAspect="1"/>
+          </p:cNvPicPr>
+          <p:nvPr/>
+        </p:nvPicPr>
+        <p:blipFill>
+          <a:blip r:embed="rId4"/>
+          <a:stretch>
+            <a:fillRect/>
+          </a:stretch>
+        </p:blipFill>
+        <p:spPr>
+          <a:xfrm>
+            <a:off x="2219180" y="2811682"/>
+            <a:ext cx="1117600" cy="482600"/>
+          </a:xfrm>
+          <a:prstGeom prst="rect">
+            <a:avLst/>
+          </a:prstGeom>
+        </p:spPr>
+      </p:pic>
+      <p:pic>
+        <p:nvPicPr>
+          <p:cNvPr id="7" name="Picture 6">
+            <a:extLst>
+              <a:ext uri="{FF2B5EF4-FFF2-40B4-BE49-F238E27FC236}">
+                <a16:creationId xmlns:a16="http://schemas.microsoft.com/office/drawing/2014/main" id="{8FB3FE0F-778D-5F4C-AA6E-DE6B81D42E88}"/>
+              </a:ext>
+            </a:extLst>
+          </p:cNvPr>
+          <p:cNvPicPr>
+            <a:picLocks noChangeAspect="1"/>
+          </p:cNvPicPr>
+          <p:nvPr/>
+        </p:nvPicPr>
+        <p:blipFill>
+          <a:blip r:embed="rId5"/>
+          <a:stretch>
+            <a:fillRect/>
+          </a:stretch>
+        </p:blipFill>
+        <p:spPr>
+          <a:xfrm>
+            <a:off x="4438650" y="2869834"/>
+            <a:ext cx="3314700" cy="444500"/>
+          </a:xfrm>
+          <a:prstGeom prst="rect">
+            <a:avLst/>
+          </a:prstGeom>
+        </p:spPr>
+      </p:pic>
+      <p:pic>
+        <p:nvPicPr>
+          <p:cNvPr id="8" name="Picture 7">
+            <a:extLst>
+              <a:ext uri="{FF2B5EF4-FFF2-40B4-BE49-F238E27FC236}">
+                <a16:creationId xmlns:a16="http://schemas.microsoft.com/office/drawing/2014/main" id="{F911478B-B497-F84E-B673-C6FA1D980BDF}"/>
+              </a:ext>
+            </a:extLst>
+          </p:cNvPr>
+          <p:cNvPicPr>
+            <a:picLocks noChangeAspect="1"/>
+          </p:cNvPicPr>
+          <p:nvPr/>
+        </p:nvPicPr>
+        <p:blipFill>
+          <a:blip r:embed="rId6"/>
+          <a:stretch>
+            <a:fillRect/>
+          </a:stretch>
+        </p:blipFill>
+        <p:spPr>
+          <a:xfrm>
+            <a:off x="3576613" y="3676467"/>
+            <a:ext cx="2654300" cy="749300"/>
+          </a:xfrm>
+          <a:prstGeom prst="rect">
+            <a:avLst/>
+          </a:prstGeom>
+        </p:spPr>
+      </p:pic>
+    </p:spTree>
+    <p:extLst>
+      <p:ext uri="{BB962C8B-B14F-4D97-AF65-F5344CB8AC3E}">
+        <p14:creationId xmlns:p14="http://schemas.microsoft.com/office/powerpoint/2010/main" val="1418029934"/>
+      </p:ext>
+    </p:extLst>
+  </p:cSld>
+  <p:clrMapOvr>
+    <a:masterClrMapping/>
+  </p:clrMapOvr>
+</p:sld>
+</file>
+
+<file path=ppt/slides/slide14.xml><?xml version="1.0" encoding="utf-8"?>
+<p:sld xmlns:a="http://schemas.openxmlformats.org/drawingml/2006/main" xmlns:r="http://schemas.openxmlformats.org/officeDocument/2006/relationships" xmlns:p="http://schemas.openxmlformats.org/presentationml/2006/main">
+  <p:cSld>
+    <p:spTree>
+      <p:nvGrpSpPr>
+        <p:cNvPr id="1" name=""/>
+        <p:cNvGrpSpPr/>
+        <p:nvPr/>
+      </p:nvGrpSpPr>
+      <p:grpSpPr>
+        <a:xfrm>
+          <a:off x="0" y="0"/>
+          <a:ext cx="0" cy="0"/>
+          <a:chOff x="0" y="0"/>
+          <a:chExt cx="0" cy="0"/>
+        </a:xfrm>
+      </p:grpSpPr>
+      <p:sp>
+        <p:nvSpPr>
+          <p:cNvPr id="2" name="Title 1">
+            <a:extLst>
+              <a:ext uri="{FF2B5EF4-FFF2-40B4-BE49-F238E27FC236}">
+                <a16:creationId xmlns:a16="http://schemas.microsoft.com/office/drawing/2014/main" id="{4916478C-B82A-4641-8017-09A188F9795D}"/>
+              </a:ext>
+            </a:extLst>
+          </p:cNvPr>
+          <p:cNvSpPr>
+            <a:spLocks noGrp="1"/>
+          </p:cNvSpPr>
+          <p:nvPr>
+            <p:ph type="title"/>
+          </p:nvPr>
+        </p:nvSpPr>
+        <p:spPr/>
+        <p:txBody>
+          <a:bodyPr/>
+          <a:lstStyle/>
+          <a:p>
+            <a:r>
+              <a:rPr lang="en-US" dirty="0"/>
+              <a:t>Logarithms</a:t>
+            </a:r>
+          </a:p>
+        </p:txBody>
+      </p:sp>
+      <p:sp>
+        <p:nvSpPr>
+          <p:cNvPr id="3" name="Content Placeholder 2">
+            <a:extLst>
+              <a:ext uri="{FF2B5EF4-FFF2-40B4-BE49-F238E27FC236}">
+                <a16:creationId xmlns:a16="http://schemas.microsoft.com/office/drawing/2014/main" id="{173F38F2-59BF-A947-B8E5-5593F15D9DD1}"/>
+              </a:ext>
+            </a:extLst>
+          </p:cNvPr>
+          <p:cNvSpPr>
+            <a:spLocks noGrp="1"/>
+          </p:cNvSpPr>
+          <p:nvPr>
+            <p:ph idx="1"/>
+          </p:nvPr>
+        </p:nvSpPr>
+        <p:spPr>
+          <a:xfrm>
+            <a:off x="1130300" y="1971951"/>
+            <a:ext cx="10515600" cy="4653932"/>
+          </a:xfrm>
+        </p:spPr>
+        <p:txBody>
+          <a:bodyPr/>
+          <a:lstStyle/>
+          <a:p>
+            <a:endParaRPr lang="en-US" dirty="0"/>
+          </a:p>
+          <a:p>
+            <a:endParaRPr lang="en-US" dirty="0"/>
+          </a:p>
+          <a:p>
+            <a:endParaRPr lang="en-US" dirty="0"/>
+          </a:p>
+          <a:p>
+            <a:endParaRPr lang="en-US" dirty="0"/>
+          </a:p>
+          <a:p>
+            <a:r>
+              <a:rPr lang="en-US" dirty="0"/>
+              <a:t>when  |</a:t>
+            </a:r>
+            <a:r>
+              <a:rPr lang="en-US" i="1" dirty="0">
+                <a:latin typeface="Times New Roman" panose="02020603050405020304" pitchFamily="18" charset="0"/>
+                <a:cs typeface="Times New Roman" panose="02020603050405020304" pitchFamily="18" charset="0"/>
+              </a:rPr>
+              <a:t>x</a:t>
+            </a:r>
+            <a:r>
+              <a:rPr lang="en-US" dirty="0"/>
+              <a:t>| &lt; 1</a:t>
+            </a:r>
+          </a:p>
+          <a:p>
+            <a:endParaRPr lang="en-US" dirty="0"/>
+          </a:p>
+          <a:p>
+            <a:r>
+              <a:rPr lang="en-US" dirty="0"/>
+              <a:t>for</a:t>
+            </a:r>
+            <a:r>
+              <a:rPr lang="en-US" i="1" dirty="0">
+                <a:latin typeface="Times New Roman" panose="02020603050405020304" pitchFamily="18" charset="0"/>
+                <a:cs typeface="Times New Roman" panose="02020603050405020304" pitchFamily="18" charset="0"/>
+              </a:rPr>
+              <a:t> x </a:t>
+            </a:r>
+            <a:r>
+              <a:rPr lang="en-US" dirty="0"/>
+              <a:t>&gt; -1</a:t>
+            </a:r>
+          </a:p>
+          <a:p>
+            <a:pPr marL="0" indent="0">
+              <a:buNone/>
+            </a:pPr>
+            <a:r>
+              <a:rPr lang="en-US" dirty="0"/>
+              <a:t> </a:t>
+            </a:r>
+          </a:p>
+          <a:p>
+            <a:r>
+              <a:rPr lang="ko-KR" altLang="en-US" dirty="0"/>
+              <a:t>                          </a:t>
+            </a:r>
+            <a:r>
+              <a:rPr lang="en-US" altLang="ko-KR" dirty="0">
+                <a:sym typeface="Wingdings" pitchFamily="2" charset="2"/>
+              </a:rPr>
+              <a:t></a:t>
+            </a:r>
+            <a:r>
+              <a:rPr lang="ko-KR" altLang="en-US" dirty="0">
+                <a:sym typeface="Wingdings" pitchFamily="2" charset="2"/>
+              </a:rPr>
+              <a:t>                                                      </a:t>
+            </a:r>
+            <a:r>
+              <a:rPr lang="en-US" altLang="ko-KR" dirty="0">
+                <a:sym typeface="Wingdings" pitchFamily="2" charset="2"/>
+              </a:rPr>
+              <a:t></a:t>
+            </a:r>
+            <a:r>
+              <a:rPr lang="ko-KR" altLang="en-US" dirty="0">
+                <a:sym typeface="Wingdings" pitchFamily="2" charset="2"/>
+              </a:rPr>
+              <a:t> </a:t>
+            </a:r>
+            <a:endParaRPr lang="en-US" dirty="0"/>
+          </a:p>
+        </p:txBody>
+      </p:sp>
+      <p:pic>
+        <p:nvPicPr>
+          <p:cNvPr id="4" name="Picture 3">
+            <a:extLst>
+              <a:ext uri="{FF2B5EF4-FFF2-40B4-BE49-F238E27FC236}">
+                <a16:creationId xmlns:a16="http://schemas.microsoft.com/office/drawing/2014/main" id="{2D93FF8D-9BD1-A14D-A151-1DF82A808AF2}"/>
+              </a:ext>
+            </a:extLst>
+          </p:cNvPr>
+          <p:cNvPicPr>
+            <a:picLocks noChangeAspect="1"/>
+          </p:cNvPicPr>
+          <p:nvPr/>
+        </p:nvPicPr>
+        <p:blipFill>
+          <a:blip r:embed="rId2"/>
+          <a:stretch>
+            <a:fillRect/>
+          </a:stretch>
+        </p:blipFill>
+        <p:spPr>
+          <a:xfrm>
+            <a:off x="546100" y="1494235"/>
+            <a:ext cx="5549900" cy="1765300"/>
+          </a:xfrm>
+          <a:prstGeom prst="rect">
+            <a:avLst/>
+          </a:prstGeom>
+        </p:spPr>
+      </p:pic>
+      <p:pic>
+        <p:nvPicPr>
+          <p:cNvPr id="5" name="Picture 4">
+            <a:extLst>
+              <a:ext uri="{FF2B5EF4-FFF2-40B4-BE49-F238E27FC236}">
+                <a16:creationId xmlns:a16="http://schemas.microsoft.com/office/drawing/2014/main" id="{06D47A17-5F50-D44A-AFA4-5E135E45417C}"/>
+              </a:ext>
+            </a:extLst>
+          </p:cNvPr>
+          <p:cNvPicPr>
+            <a:picLocks noChangeAspect="1"/>
+          </p:cNvPicPr>
+          <p:nvPr/>
+        </p:nvPicPr>
+        <p:blipFill>
+          <a:blip r:embed="rId3"/>
+          <a:stretch>
+            <a:fillRect/>
+          </a:stretch>
+        </p:blipFill>
+        <p:spPr>
+          <a:xfrm>
+            <a:off x="6754641" y="44054"/>
+            <a:ext cx="4394200" cy="3873500"/>
+          </a:xfrm>
+          <a:prstGeom prst="rect">
+            <a:avLst/>
+          </a:prstGeom>
+        </p:spPr>
+      </p:pic>
+      <p:pic>
+        <p:nvPicPr>
+          <p:cNvPr id="7" name="Picture 6">
+            <a:extLst>
+              <a:ext uri="{FF2B5EF4-FFF2-40B4-BE49-F238E27FC236}">
+                <a16:creationId xmlns:a16="http://schemas.microsoft.com/office/drawing/2014/main" id="{CD44F7B1-B91D-B34D-8FE8-0849D9998A90}"/>
+              </a:ext>
+            </a:extLst>
+          </p:cNvPr>
+          <p:cNvPicPr>
+            <a:picLocks noChangeAspect="1"/>
+          </p:cNvPicPr>
+          <p:nvPr/>
+        </p:nvPicPr>
+        <p:blipFill>
+          <a:blip r:embed="rId4"/>
+          <a:stretch>
+            <a:fillRect/>
+          </a:stretch>
+        </p:blipFill>
+        <p:spPr>
+          <a:xfrm>
+            <a:off x="3613150" y="3880049"/>
+            <a:ext cx="6057900" cy="838200"/>
+          </a:xfrm>
+          <a:prstGeom prst="rect">
+            <a:avLst/>
+          </a:prstGeom>
+        </p:spPr>
+      </p:pic>
+      <p:pic>
+        <p:nvPicPr>
+          <p:cNvPr id="8" name="Picture 7">
+            <a:extLst>
+              <a:ext uri="{FF2B5EF4-FFF2-40B4-BE49-F238E27FC236}">
+                <a16:creationId xmlns:a16="http://schemas.microsoft.com/office/drawing/2014/main" id="{8EDC4A24-8204-0349-AD50-66F82531C9BA}"/>
+              </a:ext>
+            </a:extLst>
+          </p:cNvPr>
+          <p:cNvPicPr>
+            <a:picLocks noChangeAspect="1"/>
+          </p:cNvPicPr>
+          <p:nvPr/>
+        </p:nvPicPr>
+        <p:blipFill>
+          <a:blip r:embed="rId5"/>
+          <a:stretch>
+            <a:fillRect/>
+          </a:stretch>
+        </p:blipFill>
+        <p:spPr>
+          <a:xfrm>
+            <a:off x="3613150" y="4759192"/>
+            <a:ext cx="3479800" cy="901700"/>
+          </a:xfrm>
+          <a:prstGeom prst="rect">
+            <a:avLst/>
+          </a:prstGeom>
+        </p:spPr>
+      </p:pic>
+      <p:pic>
+        <p:nvPicPr>
+          <p:cNvPr id="9" name="Picture 8">
+            <a:extLst>
+              <a:ext uri="{FF2B5EF4-FFF2-40B4-BE49-F238E27FC236}">
+                <a16:creationId xmlns:a16="http://schemas.microsoft.com/office/drawing/2014/main" id="{D6EF3AC1-3FD0-C94E-8C63-42F277F9725A}"/>
+              </a:ext>
+            </a:extLst>
+          </p:cNvPr>
+          <p:cNvPicPr>
+            <a:picLocks noChangeAspect="1"/>
+          </p:cNvPicPr>
+          <p:nvPr/>
+        </p:nvPicPr>
+        <p:blipFill>
+          <a:blip r:embed="rId6"/>
+          <a:stretch>
+            <a:fillRect/>
+          </a:stretch>
+        </p:blipFill>
+        <p:spPr>
+          <a:xfrm>
+            <a:off x="1457325" y="5680075"/>
+            <a:ext cx="1828800" cy="812800"/>
+          </a:xfrm>
+          <a:prstGeom prst="rect">
+            <a:avLst/>
+          </a:prstGeom>
+        </p:spPr>
+      </p:pic>
+      <p:pic>
+        <p:nvPicPr>
+          <p:cNvPr id="10" name="Picture 9">
+            <a:extLst>
+              <a:ext uri="{FF2B5EF4-FFF2-40B4-BE49-F238E27FC236}">
+                <a16:creationId xmlns:a16="http://schemas.microsoft.com/office/drawing/2014/main" id="{2F6310D0-3BE7-B840-8B38-996D1427C060}"/>
+              </a:ext>
+            </a:extLst>
+          </p:cNvPr>
+          <p:cNvPicPr>
+            <a:picLocks noChangeAspect="1"/>
+          </p:cNvPicPr>
+          <p:nvPr/>
+        </p:nvPicPr>
+        <p:blipFill>
+          <a:blip r:embed="rId7"/>
+          <a:stretch>
+            <a:fillRect/>
+          </a:stretch>
+        </p:blipFill>
+        <p:spPr>
+          <a:xfrm>
+            <a:off x="4133850" y="5674645"/>
+            <a:ext cx="3924300" cy="939800"/>
+          </a:xfrm>
+          <a:prstGeom prst="rect">
+            <a:avLst/>
+          </a:prstGeom>
+        </p:spPr>
+      </p:pic>
+      <p:pic>
+        <p:nvPicPr>
+          <p:cNvPr id="12" name="Picture 11" descr="A close up of a logo&#10;&#10;Description automatically generated">
+            <a:extLst>
+              <a:ext uri="{FF2B5EF4-FFF2-40B4-BE49-F238E27FC236}">
+                <a16:creationId xmlns:a16="http://schemas.microsoft.com/office/drawing/2014/main" id="{40A82386-7D44-F543-AED4-5BA3C99FD899}"/>
+              </a:ext>
+            </a:extLst>
+          </p:cNvPr>
+          <p:cNvPicPr>
+            <a:picLocks noChangeAspect="1"/>
+          </p:cNvPicPr>
+          <p:nvPr/>
+        </p:nvPicPr>
+        <p:blipFill>
+          <a:blip r:embed="rId8"/>
+          <a:stretch>
+            <a:fillRect/>
+          </a:stretch>
+        </p:blipFill>
+        <p:spPr>
+          <a:xfrm>
+            <a:off x="8951741" y="5921375"/>
+            <a:ext cx="1955800" cy="571500"/>
+          </a:xfrm>
+          <a:prstGeom prst="rect">
+            <a:avLst/>
+          </a:prstGeom>
+        </p:spPr>
+      </p:pic>
+    </p:spTree>
+    <p:extLst>
+      <p:ext uri="{BB962C8B-B14F-4D97-AF65-F5344CB8AC3E}">
+        <p14:creationId xmlns:p14="http://schemas.microsoft.com/office/powerpoint/2010/main" val="4012305472"/>
+      </p:ext>
+    </p:extLst>
+  </p:cSld>
+  <p:clrMapOvr>
+    <a:masterClrMapping/>
+  </p:clrMapOvr>
+</p:sld>
+</file>
+
+<file path=ppt/slides/slide15.xml><?xml version="1.0" encoding="utf-8"?>
+<p:sld xmlns:a="http://schemas.openxmlformats.org/drawingml/2006/main" xmlns:r="http://schemas.openxmlformats.org/officeDocument/2006/relationships" xmlns:p="http://schemas.openxmlformats.org/presentationml/2006/main">
+  <p:cSld>
+    <p:spTree>
+      <p:nvGrpSpPr>
+        <p:cNvPr id="1" name=""/>
+        <p:cNvGrpSpPr/>
+        <p:nvPr/>
+      </p:nvGrpSpPr>
+      <p:grpSpPr>
+        <a:xfrm>
+          <a:off x="0" y="0"/>
+          <a:ext cx="0" cy="0"/>
+          <a:chOff x="0" y="0"/>
+          <a:chExt cx="0" cy="0"/>
+        </a:xfrm>
+      </p:grpSpPr>
+      <p:sp>
+        <p:nvSpPr>
+          <p:cNvPr id="2" name="Title 1">
+            <a:extLst>
+              <a:ext uri="{FF2B5EF4-FFF2-40B4-BE49-F238E27FC236}">
+                <a16:creationId xmlns:a16="http://schemas.microsoft.com/office/drawing/2014/main" id="{FAD579FC-DE78-8A46-9D25-CA3D96F84FBD}"/>
+              </a:ext>
+            </a:extLst>
+          </p:cNvPr>
+          <p:cNvSpPr>
+            <a:spLocks noGrp="1"/>
+          </p:cNvSpPr>
+          <p:nvPr>
+            <p:ph type="title"/>
+          </p:nvPr>
+        </p:nvSpPr>
+        <p:spPr/>
+        <p:txBody>
+          <a:bodyPr/>
+          <a:lstStyle/>
+          <a:p>
+            <a:r>
+              <a:rPr lang="en-US" dirty="0"/>
+              <a:t>Factorials</a:t>
+            </a:r>
+          </a:p>
+        </p:txBody>
+      </p:sp>
+      <p:sp>
+        <p:nvSpPr>
+          <p:cNvPr id="3" name="Content Placeholder 2">
+            <a:extLst>
+              <a:ext uri="{FF2B5EF4-FFF2-40B4-BE49-F238E27FC236}">
+                <a16:creationId xmlns:a16="http://schemas.microsoft.com/office/drawing/2014/main" id="{47CAF617-3D80-0E46-B732-A58ECB280EA7}"/>
+              </a:ext>
+            </a:extLst>
+          </p:cNvPr>
+          <p:cNvSpPr>
+            <a:spLocks noGrp="1"/>
+          </p:cNvSpPr>
+          <p:nvPr>
+            <p:ph idx="1"/>
+          </p:nvPr>
+        </p:nvSpPr>
+        <p:spPr/>
+        <p:txBody>
+          <a:bodyPr/>
+          <a:lstStyle/>
+          <a:p>
+            <a:r>
+              <a:rPr lang="en-US" dirty="0"/>
+              <a:t>Stirling’s approximation :</a:t>
+            </a:r>
+          </a:p>
+          <a:p>
+            <a:endParaRPr lang="en-US" dirty="0"/>
+          </a:p>
+          <a:p>
+            <a:pPr marL="0" indent="0">
+              <a:buNone/>
+            </a:pPr>
+            <a:r>
+              <a:rPr lang="en-US" dirty="0">
+                <a:sym typeface="Wingdings" pitchFamily="2" charset="2"/>
+              </a:rPr>
+              <a:t> </a:t>
+            </a:r>
+          </a:p>
+          <a:p>
+            <a:pPr marL="0" indent="0">
+              <a:buNone/>
+            </a:pPr>
+            <a:endParaRPr lang="en-US" dirty="0">
+              <a:sym typeface="Wingdings" pitchFamily="2" charset="2"/>
+            </a:endParaRPr>
+          </a:p>
+          <a:p>
+            <a:pPr marL="0" indent="0">
+              <a:buNone/>
+            </a:pPr>
+            <a:r>
+              <a:rPr lang="en-US"/>
+              <a:t> </a:t>
+            </a:r>
+            <a:endParaRPr lang="en-US" dirty="0"/>
+          </a:p>
+        </p:txBody>
+      </p:sp>
+      <p:pic>
+        <p:nvPicPr>
+          <p:cNvPr id="4" name="Picture 3">
+            <a:extLst>
+              <a:ext uri="{FF2B5EF4-FFF2-40B4-BE49-F238E27FC236}">
+                <a16:creationId xmlns:a16="http://schemas.microsoft.com/office/drawing/2014/main" id="{148BB320-7740-DD43-9105-FA60F77BFEA5}"/>
+              </a:ext>
+            </a:extLst>
+          </p:cNvPr>
+          <p:cNvPicPr>
+            <a:picLocks noChangeAspect="1"/>
+          </p:cNvPicPr>
+          <p:nvPr/>
+        </p:nvPicPr>
+        <p:blipFill>
+          <a:blip r:embed="rId2"/>
+          <a:stretch>
+            <a:fillRect/>
+          </a:stretch>
+        </p:blipFill>
+        <p:spPr>
+          <a:xfrm>
+            <a:off x="5057433" y="1550084"/>
+            <a:ext cx="4356100" cy="1028700"/>
+          </a:xfrm>
+          <a:prstGeom prst="rect">
+            <a:avLst/>
+          </a:prstGeom>
+        </p:spPr>
+      </p:pic>
+      <p:pic>
+        <p:nvPicPr>
+          <p:cNvPr id="5" name="Picture 4">
+            <a:extLst>
+              <a:ext uri="{FF2B5EF4-FFF2-40B4-BE49-F238E27FC236}">
+                <a16:creationId xmlns:a16="http://schemas.microsoft.com/office/drawing/2014/main" id="{BCF9DDE4-10F6-124C-80BB-CD30E5DAD46D}"/>
+              </a:ext>
+            </a:extLst>
+          </p:cNvPr>
+          <p:cNvPicPr>
+            <a:picLocks noChangeAspect="1"/>
+          </p:cNvPicPr>
+          <p:nvPr/>
+        </p:nvPicPr>
+        <p:blipFill>
+          <a:blip r:embed="rId3"/>
+          <a:stretch>
+            <a:fillRect/>
+          </a:stretch>
+        </p:blipFill>
+        <p:spPr>
+          <a:xfrm>
+            <a:off x="1683532" y="2680494"/>
+            <a:ext cx="2832100" cy="1320800"/>
+          </a:xfrm>
+          <a:prstGeom prst="rect">
+            <a:avLst/>
+          </a:prstGeom>
+        </p:spPr>
+      </p:pic>
+    </p:spTree>
+    <p:extLst>
+      <p:ext uri="{BB962C8B-B14F-4D97-AF65-F5344CB8AC3E}">
+        <p14:creationId xmlns:p14="http://schemas.microsoft.com/office/powerpoint/2010/main" val="1495446454"/>
+      </p:ext>
+    </p:extLst>
+  </p:cSld>
+  <p:clrMapOvr>
+    <a:masterClrMapping/>
+  </p:clrMapOvr>
+</p:sld>
+</file>
+
+<file path=ppt/slides/slide16.xml><?xml version="1.0" encoding="utf-8"?>
+<p:sld xmlns:a="http://schemas.openxmlformats.org/drawingml/2006/main" xmlns:r="http://schemas.openxmlformats.org/officeDocument/2006/relationships" xmlns:p="http://schemas.openxmlformats.org/presentationml/2006/main">
+  <p:cSld>
+    <p:spTree>
+      <p:nvGrpSpPr>
+        <p:cNvPr id="1" name=""/>
+        <p:cNvGrpSpPr/>
+        <p:nvPr/>
+      </p:nvGrpSpPr>
+      <p:grpSpPr>
+        <a:xfrm>
+          <a:off x="0" y="0"/>
+          <a:ext cx="0" cy="0"/>
+          <a:chOff x="0" y="0"/>
+          <a:chExt cx="0" cy="0"/>
+        </a:xfrm>
+      </p:grpSpPr>
+      <p:sp>
+        <p:nvSpPr>
+          <p:cNvPr id="2" name="Title 1">
+            <a:extLst>
+              <a:ext uri="{FF2B5EF4-FFF2-40B4-BE49-F238E27FC236}">
+                <a16:creationId xmlns:a16="http://schemas.microsoft.com/office/drawing/2014/main" id="{C9D1F3FC-573E-3949-8E95-8A96BAE3A1F1}"/>
+              </a:ext>
+            </a:extLst>
+          </p:cNvPr>
+          <p:cNvSpPr>
+            <a:spLocks noGrp="1"/>
+          </p:cNvSpPr>
+          <p:nvPr>
+            <p:ph type="title"/>
+          </p:nvPr>
+        </p:nvSpPr>
+        <p:spPr/>
+        <p:txBody>
+          <a:bodyPr/>
+          <a:lstStyle/>
+          <a:p>
+            <a:r>
+              <a:rPr lang="en-US" dirty="0"/>
+              <a:t>The iterated logarithm function </a:t>
+            </a:r>
+          </a:p>
+        </p:txBody>
+      </p:sp>
+      <p:sp>
+        <p:nvSpPr>
+          <p:cNvPr id="3" name="Content Placeholder 2">
+            <a:extLst>
+              <a:ext uri="{FF2B5EF4-FFF2-40B4-BE49-F238E27FC236}">
+                <a16:creationId xmlns:a16="http://schemas.microsoft.com/office/drawing/2014/main" id="{6220EB9B-97F6-794A-8192-781B535B8E8D}"/>
+              </a:ext>
+            </a:extLst>
+          </p:cNvPr>
+          <p:cNvSpPr>
+            <a:spLocks noGrp="1"/>
+          </p:cNvSpPr>
+          <p:nvPr>
+            <p:ph idx="1"/>
+          </p:nvPr>
+        </p:nvSpPr>
+        <p:spPr/>
+        <p:txBody>
+          <a:bodyPr/>
+          <a:lstStyle/>
+          <a:p>
+            <a:r>
+              <a:rPr lang="en-US" dirty="0"/>
+              <a:t>lg</a:t>
+            </a:r>
+            <a:r>
+              <a:rPr lang="en-US" baseline="30000" dirty="0"/>
+              <a:t>(</a:t>
+            </a:r>
+            <a:r>
+              <a:rPr lang="en-US" baseline="30000" dirty="0" err="1"/>
+              <a:t>i</a:t>
+            </a:r>
+            <a:r>
+              <a:rPr lang="en-US" baseline="30000" dirty="0"/>
+              <a:t>)</a:t>
+            </a:r>
+            <a:r>
+              <a:rPr lang="en-US" dirty="0"/>
+              <a:t> </a:t>
+            </a:r>
+            <a:r>
+              <a:rPr lang="en-US" i="1" dirty="0">
+                <a:latin typeface="Times New Roman" panose="02020603050405020304" pitchFamily="18" charset="0"/>
+                <a:cs typeface="Times New Roman" panose="02020603050405020304" pitchFamily="18" charset="0"/>
+              </a:rPr>
+              <a:t>n</a:t>
+            </a:r>
+            <a:r>
+              <a:rPr lang="en-US" dirty="0"/>
+              <a:t> = lg ( lg ( lg … </a:t>
+            </a:r>
+            <a:r>
+              <a:rPr lang="en-US" i="1" dirty="0">
+                <a:latin typeface="Times New Roman" panose="02020603050405020304" pitchFamily="18" charset="0"/>
+                <a:cs typeface="Times New Roman" panose="02020603050405020304" pitchFamily="18" charset="0"/>
+              </a:rPr>
+              <a:t>n</a:t>
+            </a:r>
+            <a:r>
+              <a:rPr lang="en-US" dirty="0"/>
+              <a:t> … )))   vs. </a:t>
+            </a:r>
+            <a:r>
+              <a:rPr lang="en-US" dirty="0" err="1"/>
+              <a:t>lg</a:t>
+            </a:r>
+            <a:r>
+              <a:rPr lang="en-US" baseline="30000" dirty="0" err="1"/>
+              <a:t>i</a:t>
+            </a:r>
+            <a:r>
+              <a:rPr lang="en-US" dirty="0"/>
+              <a:t> </a:t>
+            </a:r>
+            <a:r>
+              <a:rPr lang="en-US" i="1" dirty="0">
+                <a:latin typeface="Times New Roman" panose="02020603050405020304" pitchFamily="18" charset="0"/>
+                <a:cs typeface="Times New Roman" panose="02020603050405020304" pitchFamily="18" charset="0"/>
+              </a:rPr>
+              <a:t>n</a:t>
+            </a:r>
+            <a:r>
+              <a:rPr lang="en-US" dirty="0"/>
+              <a:t> = lg</a:t>
+            </a:r>
+            <a:r>
+              <a:rPr lang="en-US" i="1" dirty="0">
+                <a:latin typeface="Times New Roman" panose="02020603050405020304" pitchFamily="18" charset="0"/>
+                <a:cs typeface="Times New Roman" panose="02020603050405020304" pitchFamily="18" charset="0"/>
+              </a:rPr>
+              <a:t> n</a:t>
+            </a:r>
+            <a:r>
+              <a:rPr lang="en-US" dirty="0"/>
+              <a:t> x lg</a:t>
+            </a:r>
+            <a:r>
+              <a:rPr lang="en-US" i="1" dirty="0">
+                <a:latin typeface="Times New Roman" panose="02020603050405020304" pitchFamily="18" charset="0"/>
+                <a:cs typeface="Times New Roman" panose="02020603050405020304" pitchFamily="18" charset="0"/>
+              </a:rPr>
+              <a:t> n</a:t>
+            </a:r>
+            <a:r>
+              <a:rPr lang="en-US" dirty="0"/>
+              <a:t> x … x lg </a:t>
+            </a:r>
+            <a:r>
+              <a:rPr lang="en-US" i="1" dirty="0">
+                <a:latin typeface="Times New Roman" panose="02020603050405020304" pitchFamily="18" charset="0"/>
+                <a:cs typeface="Times New Roman" panose="02020603050405020304" pitchFamily="18" charset="0"/>
+              </a:rPr>
+              <a:t>n</a:t>
+            </a:r>
+          </a:p>
+          <a:p>
+            <a:r>
+              <a:rPr lang="en-US" i="1" dirty="0">
+                <a:latin typeface="Times New Roman" panose="02020603050405020304" pitchFamily="18" charset="0"/>
+                <a:cs typeface="Times New Roman" panose="02020603050405020304" pitchFamily="18" charset="0"/>
+              </a:rPr>
+              <a:t> </a:t>
+            </a:r>
+          </a:p>
+          <a:p>
+            <a:pPr marL="0" indent="0">
+              <a:buNone/>
+            </a:pPr>
+            <a:r>
+              <a:rPr lang="en-US" dirty="0"/>
+              <a:t>VERY </a:t>
+            </a:r>
+            <a:r>
+              <a:rPr lang="en-US" dirty="0" err="1"/>
+              <a:t>slooooooowly</a:t>
+            </a:r>
+            <a:r>
+              <a:rPr lang="en-US" dirty="0"/>
+              <a:t> growing function </a:t>
+            </a:r>
+          </a:p>
+          <a:p>
+            <a:endParaRPr lang="en-US" i="1" dirty="0">
+              <a:latin typeface="Times New Roman" panose="02020603050405020304" pitchFamily="18" charset="0"/>
+              <a:cs typeface="Times New Roman" panose="02020603050405020304" pitchFamily="18" charset="0"/>
+            </a:endParaRPr>
+          </a:p>
+          <a:p>
+            <a:endParaRPr lang="en-US" dirty="0"/>
+          </a:p>
+          <a:p>
+            <a:pPr marL="0" indent="0">
+              <a:buNone/>
+            </a:pPr>
+            <a:endParaRPr lang="en-US" dirty="0"/>
+          </a:p>
+        </p:txBody>
+      </p:sp>
+      <p:pic>
+        <p:nvPicPr>
+          <p:cNvPr id="4" name="Picture 3">
+            <a:extLst>
+              <a:ext uri="{FF2B5EF4-FFF2-40B4-BE49-F238E27FC236}">
+                <a16:creationId xmlns:a16="http://schemas.microsoft.com/office/drawing/2014/main" id="{616F73C3-F7E4-714A-99BA-50DA965A1C56}"/>
+              </a:ext>
+            </a:extLst>
+          </p:cNvPr>
+          <p:cNvPicPr>
+            <a:picLocks noChangeAspect="1"/>
+          </p:cNvPicPr>
+          <p:nvPr/>
+        </p:nvPicPr>
+        <p:blipFill>
+          <a:blip r:embed="rId2"/>
+          <a:stretch>
+            <a:fillRect/>
+          </a:stretch>
+        </p:blipFill>
+        <p:spPr>
+          <a:xfrm>
+            <a:off x="1787814" y="3455195"/>
+            <a:ext cx="2527300" cy="2298700"/>
+          </a:xfrm>
+          <a:prstGeom prst="rect">
+            <a:avLst/>
+          </a:prstGeom>
+        </p:spPr>
+      </p:pic>
+      <p:pic>
+        <p:nvPicPr>
+          <p:cNvPr id="5" name="Picture 4">
+            <a:extLst>
+              <a:ext uri="{FF2B5EF4-FFF2-40B4-BE49-F238E27FC236}">
+                <a16:creationId xmlns:a16="http://schemas.microsoft.com/office/drawing/2014/main" id="{440B3C88-BB09-F14F-B3D8-18F3A270CD43}"/>
+              </a:ext>
+            </a:extLst>
+          </p:cNvPr>
+          <p:cNvPicPr>
+            <a:picLocks noChangeAspect="1"/>
+          </p:cNvPicPr>
+          <p:nvPr/>
+        </p:nvPicPr>
+        <p:blipFill>
+          <a:blip r:embed="rId3"/>
+          <a:stretch>
+            <a:fillRect/>
+          </a:stretch>
+        </p:blipFill>
+        <p:spPr>
+          <a:xfrm>
+            <a:off x="1237096" y="2367360"/>
+            <a:ext cx="4178300" cy="546100"/>
+          </a:xfrm>
+          <a:prstGeom prst="rect">
+            <a:avLst/>
+          </a:prstGeom>
+        </p:spPr>
+      </p:pic>
+    </p:spTree>
+    <p:extLst>
+      <p:ext uri="{BB962C8B-B14F-4D97-AF65-F5344CB8AC3E}">
+        <p14:creationId xmlns:p14="http://schemas.microsoft.com/office/powerpoint/2010/main" val="563171892"/>
+      </p:ext>
+    </p:extLst>
+  </p:cSld>
+  <p:clrMapOvr>
+    <a:masterClrMapping/>
+  </p:clrMapOvr>
+</p:sld>
+</file>
+
+<file path=ppt/slides/slide17.xml><?xml version="1.0" encoding="utf-8"?>
+<p:sld xmlns:a="http://schemas.openxmlformats.org/drawingml/2006/main" xmlns:r="http://schemas.openxmlformats.org/officeDocument/2006/relationships" xmlns:p="http://schemas.openxmlformats.org/presentationml/2006/main">
+  <p:cSld>
+    <p:spTree>
+      <p:nvGrpSpPr>
+        <p:cNvPr id="1" name=""/>
+        <p:cNvGrpSpPr/>
+        <p:nvPr/>
+      </p:nvGrpSpPr>
+      <p:grpSpPr>
+        <a:xfrm>
+          <a:off x="0" y="0"/>
+          <a:ext cx="0" cy="0"/>
+          <a:chOff x="0" y="0"/>
+          <a:chExt cx="0" cy="0"/>
+        </a:xfrm>
+      </p:grpSpPr>
+      <p:sp>
+        <p:nvSpPr>
+          <p:cNvPr id="2" name="Title 1">
+            <a:extLst>
+              <a:ext uri="{FF2B5EF4-FFF2-40B4-BE49-F238E27FC236}">
+                <a16:creationId xmlns:a16="http://schemas.microsoft.com/office/drawing/2014/main" id="{4664F771-2485-5F4A-BFCA-FAADF8E35D5A}"/>
+              </a:ext>
+            </a:extLst>
+          </p:cNvPr>
+          <p:cNvSpPr>
+            <a:spLocks noGrp="1"/>
+          </p:cNvSpPr>
+          <p:nvPr>
+            <p:ph type="title"/>
+          </p:nvPr>
+        </p:nvSpPr>
+        <p:spPr/>
+        <p:txBody>
+          <a:bodyPr>
+            <a:normAutofit/>
+          </a:bodyPr>
+          <a:lstStyle/>
+          <a:p>
+            <a:r>
+              <a:rPr lang="en-US" sz="3600" dirty="0"/>
+              <a:t>Fibonacci numbers</a:t>
+            </a:r>
+            <a:r>
+              <a:rPr lang="ko-KR" altLang="en-US" sz="3600" dirty="0"/>
+              <a:t> 는 지수함수적으로 증가한다</a:t>
+            </a:r>
+            <a:r>
+              <a:rPr lang="en-US" altLang="ko-KR" sz="3600" dirty="0"/>
+              <a:t>.</a:t>
+            </a:r>
+            <a:endParaRPr lang="en-US" sz="3600" dirty="0"/>
+          </a:p>
+        </p:txBody>
+      </p:sp>
+      <p:sp>
+        <p:nvSpPr>
+          <p:cNvPr id="3" name="Content Placeholder 2">
+            <a:extLst>
+              <a:ext uri="{FF2B5EF4-FFF2-40B4-BE49-F238E27FC236}">
+                <a16:creationId xmlns:a16="http://schemas.microsoft.com/office/drawing/2014/main" id="{4712A2E1-B892-E743-85B8-F91816A0D5FF}"/>
+              </a:ext>
+            </a:extLst>
+          </p:cNvPr>
+          <p:cNvSpPr>
+            <a:spLocks noGrp="1"/>
+          </p:cNvSpPr>
+          <p:nvPr>
+            <p:ph idx="1"/>
+          </p:nvPr>
+        </p:nvSpPr>
+        <p:spPr/>
+        <p:txBody>
+          <a:bodyPr/>
+          <a:lstStyle/>
+          <a:p>
+            <a:endParaRPr lang="en-US" dirty="0"/>
+          </a:p>
+          <a:p>
+            <a:endParaRPr lang="en-US" dirty="0"/>
+          </a:p>
+          <a:p>
+            <a:r>
+              <a:rPr lang="ko-KR" altLang="en-US" dirty="0"/>
+              <a:t>                  의 해</a:t>
+            </a:r>
+            <a:endParaRPr lang="en-US" altLang="ko-KR" dirty="0"/>
+          </a:p>
+          <a:p>
+            <a:endParaRPr lang="en-US" altLang="ko-KR" dirty="0"/>
+          </a:p>
+          <a:p>
+            <a:endParaRPr lang="en-US" altLang="ko-KR" dirty="0"/>
+          </a:p>
+          <a:p>
+            <a:endParaRPr lang="en-US" altLang="ko-KR" dirty="0"/>
+          </a:p>
+          <a:p>
+            <a:endParaRPr lang="en-US" altLang="ko-KR" dirty="0"/>
+          </a:p>
+          <a:p>
+            <a:pPr marL="0" indent="0">
+              <a:buNone/>
+            </a:pPr>
+            <a:r>
+              <a:rPr lang="en-US" altLang="ko-KR" dirty="0">
+                <a:sym typeface="Wingdings" pitchFamily="2" charset="2"/>
+              </a:rPr>
+              <a:t></a:t>
+            </a:r>
+            <a:r>
+              <a:rPr lang="ko-KR" altLang="en-US" dirty="0">
+                <a:sym typeface="Wingdings" pitchFamily="2" charset="2"/>
+              </a:rPr>
+              <a:t> </a:t>
+            </a:r>
+            <a:r>
+              <a:rPr lang="ko-KR" altLang="en-US" dirty="0"/>
+              <a:t> </a:t>
+            </a:r>
+            <a:endParaRPr lang="en-US" dirty="0"/>
+          </a:p>
+        </p:txBody>
+      </p:sp>
+      <p:pic>
+        <p:nvPicPr>
+          <p:cNvPr id="4" name="Picture 3">
+            <a:extLst>
+              <a:ext uri="{FF2B5EF4-FFF2-40B4-BE49-F238E27FC236}">
+                <a16:creationId xmlns:a16="http://schemas.microsoft.com/office/drawing/2014/main" id="{9881214C-D34A-A64F-A07C-B8D5D583C102}"/>
+              </a:ext>
+            </a:extLst>
+          </p:cNvPr>
+          <p:cNvPicPr>
+            <a:picLocks noChangeAspect="1"/>
+          </p:cNvPicPr>
+          <p:nvPr/>
+        </p:nvPicPr>
+        <p:blipFill>
+          <a:blip r:embed="rId2"/>
+          <a:stretch>
+            <a:fillRect/>
+          </a:stretch>
+        </p:blipFill>
+        <p:spPr>
+          <a:xfrm>
+            <a:off x="853787" y="1354426"/>
+            <a:ext cx="4597400" cy="1447800"/>
+          </a:xfrm>
+          <a:prstGeom prst="rect">
+            <a:avLst/>
+          </a:prstGeom>
+        </p:spPr>
+      </p:pic>
+      <p:pic>
+        <p:nvPicPr>
+          <p:cNvPr id="5" name="Picture 4">
+            <a:extLst>
+              <a:ext uri="{FF2B5EF4-FFF2-40B4-BE49-F238E27FC236}">
+                <a16:creationId xmlns:a16="http://schemas.microsoft.com/office/drawing/2014/main" id="{010063ED-79F8-CE4D-86F7-0E20E8BE9C54}"/>
+              </a:ext>
+            </a:extLst>
+          </p:cNvPr>
+          <p:cNvPicPr>
+            <a:picLocks noChangeAspect="1"/>
+          </p:cNvPicPr>
+          <p:nvPr/>
+        </p:nvPicPr>
+        <p:blipFill>
+          <a:blip r:embed="rId3"/>
+          <a:stretch>
+            <a:fillRect/>
+          </a:stretch>
+        </p:blipFill>
+        <p:spPr>
+          <a:xfrm>
+            <a:off x="1080655" y="2788661"/>
+            <a:ext cx="1506861" cy="498332"/>
+          </a:xfrm>
+          <a:prstGeom prst="rect">
+            <a:avLst/>
+          </a:prstGeom>
+        </p:spPr>
+      </p:pic>
+      <p:pic>
+        <p:nvPicPr>
+          <p:cNvPr id="6" name="Picture 5">
+            <a:extLst>
+              <a:ext uri="{FF2B5EF4-FFF2-40B4-BE49-F238E27FC236}">
+                <a16:creationId xmlns:a16="http://schemas.microsoft.com/office/drawing/2014/main" id="{A9B20331-6DC0-9748-96F3-B5882572D46E}"/>
+              </a:ext>
+            </a:extLst>
+          </p:cNvPr>
+          <p:cNvPicPr>
+            <a:picLocks noChangeAspect="1"/>
+          </p:cNvPicPr>
+          <p:nvPr/>
+        </p:nvPicPr>
+        <p:blipFill>
+          <a:blip r:embed="rId4"/>
+          <a:stretch>
+            <a:fillRect/>
+          </a:stretch>
+        </p:blipFill>
+        <p:spPr>
+          <a:xfrm>
+            <a:off x="3900633" y="2679989"/>
+            <a:ext cx="2832100" cy="1270000"/>
+          </a:xfrm>
+          <a:prstGeom prst="rect">
+            <a:avLst/>
+          </a:prstGeom>
+        </p:spPr>
+      </p:pic>
+      <p:pic>
+        <p:nvPicPr>
+          <p:cNvPr id="7" name="Picture 6">
+            <a:extLst>
+              <a:ext uri="{FF2B5EF4-FFF2-40B4-BE49-F238E27FC236}">
+                <a16:creationId xmlns:a16="http://schemas.microsoft.com/office/drawing/2014/main" id="{3BE7F900-5C39-7748-B46D-5543BCCAF62F}"/>
+              </a:ext>
+            </a:extLst>
+          </p:cNvPr>
+          <p:cNvPicPr>
+            <a:picLocks noChangeAspect="1"/>
+          </p:cNvPicPr>
+          <p:nvPr/>
+        </p:nvPicPr>
+        <p:blipFill>
+          <a:blip r:embed="rId5"/>
+          <a:stretch>
+            <a:fillRect/>
+          </a:stretch>
+        </p:blipFill>
+        <p:spPr>
+          <a:xfrm>
+            <a:off x="6947479" y="2549382"/>
+            <a:ext cx="2832100" cy="1270000"/>
+          </a:xfrm>
+          <a:prstGeom prst="rect">
+            <a:avLst/>
+          </a:prstGeom>
+        </p:spPr>
+      </p:pic>
+      <p:pic>
+        <p:nvPicPr>
+          <p:cNvPr id="8" name="Picture 7">
+            <a:extLst>
+              <a:ext uri="{FF2B5EF4-FFF2-40B4-BE49-F238E27FC236}">
+                <a16:creationId xmlns:a16="http://schemas.microsoft.com/office/drawing/2014/main" id="{58F31D6D-0C7E-E049-8C4C-06DEFA9AA9C6}"/>
+              </a:ext>
+            </a:extLst>
+          </p:cNvPr>
+          <p:cNvPicPr>
+            <a:picLocks noChangeAspect="1"/>
+          </p:cNvPicPr>
+          <p:nvPr/>
+        </p:nvPicPr>
+        <p:blipFill>
+          <a:blip r:embed="rId6"/>
+          <a:stretch>
+            <a:fillRect/>
+          </a:stretch>
+        </p:blipFill>
+        <p:spPr>
+          <a:xfrm>
+            <a:off x="1080655" y="3929207"/>
+            <a:ext cx="1905000" cy="1003300"/>
+          </a:xfrm>
+          <a:prstGeom prst="rect">
+            <a:avLst/>
+          </a:prstGeom>
+        </p:spPr>
+      </p:pic>
+      <p:pic>
+        <p:nvPicPr>
+          <p:cNvPr id="9" name="Picture 8">
+            <a:extLst>
+              <a:ext uri="{FF2B5EF4-FFF2-40B4-BE49-F238E27FC236}">
+                <a16:creationId xmlns:a16="http://schemas.microsoft.com/office/drawing/2014/main" id="{639A8EBD-2611-3043-A8CC-0A3FF9BC373C}"/>
+              </a:ext>
+            </a:extLst>
+          </p:cNvPr>
+          <p:cNvPicPr>
+            <a:picLocks noChangeAspect="1"/>
+          </p:cNvPicPr>
+          <p:nvPr/>
+        </p:nvPicPr>
+        <p:blipFill>
+          <a:blip r:embed="rId7"/>
+          <a:stretch>
+            <a:fillRect/>
+          </a:stretch>
+        </p:blipFill>
+        <p:spPr>
+          <a:xfrm>
+            <a:off x="1438166" y="5132388"/>
+            <a:ext cx="2298700" cy="927100"/>
+          </a:xfrm>
+          <a:prstGeom prst="rect">
+            <a:avLst/>
+          </a:prstGeom>
+        </p:spPr>
+      </p:pic>
+    </p:spTree>
+    <p:extLst>
+      <p:ext uri="{BB962C8B-B14F-4D97-AF65-F5344CB8AC3E}">
+        <p14:creationId xmlns:p14="http://schemas.microsoft.com/office/powerpoint/2010/main" val="1713506634"/>
+      </p:ext>
+    </p:extLst>
+  </p:cSld>
+  <p:clrMapOvr>
+    <a:masterClrMapping/>
+  </p:clrMapOvr>
+</p:sld>
+</file>
+
 <file path=ppt/slides/slide2.xml><?xml version="1.0" encoding="utf-8"?>
 <p:sld xmlns:a="http://schemas.openxmlformats.org/drawingml/2006/main" xmlns:r="http://schemas.openxmlformats.org/officeDocument/2006/relationships" xmlns:p="http://schemas.openxmlformats.org/presentationml/2006/main">
   <p:cSld>
@@ -4488,8 +6296,8 @@
           </a:prstGeom>
         </p:spPr>
       </p:pic>
-      <mc:AlternateContent xmlns:mc="http://schemas.openxmlformats.org/markup-compatibility/2006">
-        <mc:Choice xmlns:a14="http://schemas.microsoft.com/office/drawing/2010/main" Requires="a14">
+      <mc:AlternateContent xmlns:mc="http://schemas.openxmlformats.org/markup-compatibility/2006" xmlns:a14="http://schemas.microsoft.com/office/drawing/2010/main">
+        <mc:Choice Requires="a14">
           <p:sp>
             <p:nvSpPr>
               <p:cNvPr id="6" name="TextBox 5">
@@ -4570,7 +6378,7 @@
             </p:txBody>
           </p:sp>
         </mc:Choice>
-        <mc:Fallback>
+        <mc:Fallback xmlns="">
           <p:sp>
             <p:nvSpPr>
               <p:cNvPr id="6" name="TextBox 5">
@@ -4679,6 +6487,48 @@
           </a:p>
         </p:txBody>
       </p:sp>
+      <p:cxnSp>
+        <p:nvCxnSpPr>
+          <p:cNvPr id="4" name="Straight Connector 3">
+            <a:extLst>
+              <a:ext uri="{FF2B5EF4-FFF2-40B4-BE49-F238E27FC236}">
+                <a16:creationId xmlns:a16="http://schemas.microsoft.com/office/drawing/2014/main" id="{45545708-2799-1B41-91E1-009232BBC952}"/>
+              </a:ext>
+            </a:extLst>
+          </p:cNvPr>
+          <p:cNvCxnSpPr/>
+          <p:nvPr/>
+        </p:nvCxnSpPr>
+        <p:spPr>
+          <a:xfrm>
+            <a:off x="9372600" y="4289040"/>
+            <a:ext cx="0" cy="916805"/>
+          </a:xfrm>
+          <a:prstGeom prst="line">
+            <a:avLst/>
+          </a:prstGeom>
+          <a:ln>
+            <a:solidFill>
+              <a:srgbClr val="FF0000"/>
+            </a:solidFill>
+            <a:prstDash val="sysDot"/>
+          </a:ln>
+        </p:spPr>
+        <p:style>
+          <a:lnRef idx="1">
+            <a:schemeClr val="accent1"/>
+          </a:lnRef>
+          <a:fillRef idx="0">
+            <a:schemeClr val="accent1"/>
+          </a:fillRef>
+          <a:effectRef idx="0">
+            <a:schemeClr val="accent1"/>
+          </a:effectRef>
+          <a:fontRef idx="minor">
+            <a:schemeClr val="tx1"/>
+          </a:fontRef>
+        </p:style>
+      </p:cxnSp>
     </p:spTree>
     <p:extLst>
       <p:ext uri="{BB962C8B-B14F-4D97-AF65-F5344CB8AC3E}">
@@ -4731,7 +6581,7 @@
         </p:blipFill>
         <p:spPr>
           <a:xfrm>
-            <a:off x="799124" y="787400"/>
+            <a:off x="404715" y="602734"/>
             <a:ext cx="8483600" cy="5283200"/>
           </a:xfrm>
           <a:prstGeom prst="rect">
